--- a/Shark Attacks Report.pptx
+++ b/Shark Attacks Report.pptx
@@ -14150,11 +14150,218 @@
         </p:blipFill>
         <p:spPr>
           <a:xfrm>
-            <a:off x="1192062" y="1793184"/>
-            <a:ext cx="10161738" cy="4460670"/>
+            <a:off x="2523744" y="2608742"/>
+            <a:ext cx="8848344" cy="3884133"/>
           </a:xfrm>
         </p:spPr>
       </p:pic>
+      <p:sp>
+        <p:nvSpPr>
+          <p:cNvPr id="2" name="Marcador de contenido 5">
+            <a:extLst>
+              <a:ext uri="{FF2B5EF4-FFF2-40B4-BE49-F238E27FC236}">
+                <a16:creationId xmlns:a16="http://schemas.microsoft.com/office/drawing/2014/main" id="{BB44A4AE-EC68-4A38-3F03-C93B10B749F8}"/>
+              </a:ext>
+            </a:extLst>
+          </p:cNvPr>
+          <p:cNvSpPr txBox="1">
+            <a:spLocks/>
+          </p:cNvSpPr>
+          <p:nvPr/>
+        </p:nvSpPr>
+        <p:spPr>
+          <a:xfrm>
+            <a:off x="539308" y="1713517"/>
+            <a:ext cx="9914700" cy="872395"/>
+          </a:xfrm>
+          <a:prstGeom prst="rect">
+            <a:avLst/>
+          </a:prstGeom>
+        </p:spPr>
+        <p:txBody>
+          <a:bodyPr rtlCol="0">
+            <a:normAutofit/>
+          </a:bodyPr>
+          <a:lstStyle>
+            <a:lvl1pPr marL="228600" indent="-228600" algn="l" defTabSz="914400" rtl="0" eaLnBrk="1" latinLnBrk="0" hangingPunct="1">
+              <a:lnSpc>
+                <a:spcPct val="90000"/>
+              </a:lnSpc>
+              <a:spcBef>
+                <a:spcPts val="1000"/>
+              </a:spcBef>
+              <a:buFont typeface="Arial" panose="020B0604020202020204" pitchFamily="34" charset="0"/>
+              <a:buChar char="•"/>
+              <a:defRPr sz="2800" kern="1200">
+                <a:solidFill>
+                  <a:schemeClr val="tx1"/>
+                </a:solidFill>
+                <a:latin typeface="+mn-lt"/>
+                <a:ea typeface="+mn-ea"/>
+                <a:cs typeface="+mn-cs"/>
+              </a:defRPr>
+            </a:lvl1pPr>
+            <a:lvl2pPr marL="685800" indent="-228600" algn="l" defTabSz="914400" rtl="0" eaLnBrk="1" latinLnBrk="0" hangingPunct="1">
+              <a:lnSpc>
+                <a:spcPct val="90000"/>
+              </a:lnSpc>
+              <a:spcBef>
+                <a:spcPts val="500"/>
+              </a:spcBef>
+              <a:buFont typeface="Arial" panose="020B0604020202020204" pitchFamily="34" charset="0"/>
+              <a:buChar char="•"/>
+              <a:defRPr sz="2400" kern="1200">
+                <a:solidFill>
+                  <a:schemeClr val="tx1"/>
+                </a:solidFill>
+                <a:latin typeface="+mn-lt"/>
+                <a:ea typeface="+mn-ea"/>
+                <a:cs typeface="+mn-cs"/>
+              </a:defRPr>
+            </a:lvl2pPr>
+            <a:lvl3pPr marL="1143000" indent="-228600" algn="l" defTabSz="914400" rtl="0" eaLnBrk="1" latinLnBrk="0" hangingPunct="1">
+              <a:lnSpc>
+                <a:spcPct val="90000"/>
+              </a:lnSpc>
+              <a:spcBef>
+                <a:spcPts val="500"/>
+              </a:spcBef>
+              <a:buFont typeface="Arial" panose="020B0604020202020204" pitchFamily="34" charset="0"/>
+              <a:buChar char="•"/>
+              <a:defRPr sz="2000" kern="1200">
+                <a:solidFill>
+                  <a:schemeClr val="tx1"/>
+                </a:solidFill>
+                <a:latin typeface="+mn-lt"/>
+                <a:ea typeface="+mn-ea"/>
+                <a:cs typeface="+mn-cs"/>
+              </a:defRPr>
+            </a:lvl3pPr>
+            <a:lvl4pPr marL="1600200" indent="-228600" algn="l" defTabSz="914400" rtl="0" eaLnBrk="1" latinLnBrk="0" hangingPunct="1">
+              <a:lnSpc>
+                <a:spcPct val="90000"/>
+              </a:lnSpc>
+              <a:spcBef>
+                <a:spcPts val="500"/>
+              </a:spcBef>
+              <a:buFont typeface="Arial" panose="020B0604020202020204" pitchFamily="34" charset="0"/>
+              <a:buChar char="•"/>
+              <a:defRPr sz="1800" kern="1200">
+                <a:solidFill>
+                  <a:schemeClr val="tx1"/>
+                </a:solidFill>
+                <a:latin typeface="+mn-lt"/>
+                <a:ea typeface="+mn-ea"/>
+                <a:cs typeface="+mn-cs"/>
+              </a:defRPr>
+            </a:lvl4pPr>
+            <a:lvl5pPr marL="2057400" indent="-228600" algn="l" defTabSz="914400" rtl="0" eaLnBrk="1" latinLnBrk="0" hangingPunct="1">
+              <a:lnSpc>
+                <a:spcPct val="90000"/>
+              </a:lnSpc>
+              <a:spcBef>
+                <a:spcPts val="500"/>
+              </a:spcBef>
+              <a:buFont typeface="Arial" panose="020B0604020202020204" pitchFamily="34" charset="0"/>
+              <a:buChar char="•"/>
+              <a:defRPr sz="1800" kern="1200">
+                <a:solidFill>
+                  <a:schemeClr val="tx1"/>
+                </a:solidFill>
+                <a:latin typeface="+mn-lt"/>
+                <a:ea typeface="+mn-ea"/>
+                <a:cs typeface="+mn-cs"/>
+              </a:defRPr>
+            </a:lvl5pPr>
+            <a:lvl6pPr marL="2514600" indent="-228600" algn="l" defTabSz="914400" rtl="0" eaLnBrk="1" latinLnBrk="0" hangingPunct="1">
+              <a:lnSpc>
+                <a:spcPct val="90000"/>
+              </a:lnSpc>
+              <a:spcBef>
+                <a:spcPts val="500"/>
+              </a:spcBef>
+              <a:buFont typeface="Arial" panose="020B0604020202020204" pitchFamily="34" charset="0"/>
+              <a:buChar char="•"/>
+              <a:defRPr sz="1800" kern="1200">
+                <a:solidFill>
+                  <a:schemeClr val="tx1"/>
+                </a:solidFill>
+                <a:latin typeface="+mn-lt"/>
+                <a:ea typeface="+mn-ea"/>
+                <a:cs typeface="+mn-cs"/>
+              </a:defRPr>
+            </a:lvl6pPr>
+            <a:lvl7pPr marL="2971800" indent="-228600" algn="l" defTabSz="914400" rtl="0" eaLnBrk="1" latinLnBrk="0" hangingPunct="1">
+              <a:lnSpc>
+                <a:spcPct val="90000"/>
+              </a:lnSpc>
+              <a:spcBef>
+                <a:spcPts val="500"/>
+              </a:spcBef>
+              <a:buFont typeface="Arial" panose="020B0604020202020204" pitchFamily="34" charset="0"/>
+              <a:buChar char="•"/>
+              <a:defRPr sz="1800" kern="1200">
+                <a:solidFill>
+                  <a:schemeClr val="tx1"/>
+                </a:solidFill>
+                <a:latin typeface="+mn-lt"/>
+                <a:ea typeface="+mn-ea"/>
+                <a:cs typeface="+mn-cs"/>
+              </a:defRPr>
+            </a:lvl7pPr>
+            <a:lvl8pPr marL="3429000" indent="-228600" algn="l" defTabSz="914400" rtl="0" eaLnBrk="1" latinLnBrk="0" hangingPunct="1">
+              <a:lnSpc>
+                <a:spcPct val="90000"/>
+              </a:lnSpc>
+              <a:spcBef>
+                <a:spcPts val="500"/>
+              </a:spcBef>
+              <a:buFont typeface="Arial" panose="020B0604020202020204" pitchFamily="34" charset="0"/>
+              <a:buChar char="•"/>
+              <a:defRPr sz="1800" kern="1200">
+                <a:solidFill>
+                  <a:schemeClr val="tx1"/>
+                </a:solidFill>
+                <a:latin typeface="+mn-lt"/>
+                <a:ea typeface="+mn-ea"/>
+                <a:cs typeface="+mn-cs"/>
+              </a:defRPr>
+            </a:lvl8pPr>
+            <a:lvl9pPr marL="3886200" indent="-228600" algn="l" defTabSz="914400" rtl="0" eaLnBrk="1" latinLnBrk="0" hangingPunct="1">
+              <a:lnSpc>
+                <a:spcPct val="90000"/>
+              </a:lnSpc>
+              <a:spcBef>
+                <a:spcPts val="500"/>
+              </a:spcBef>
+              <a:buFont typeface="Arial" panose="020B0604020202020204" pitchFamily="34" charset="0"/>
+              <a:buChar char="•"/>
+              <a:defRPr sz="1800" kern="1200">
+                <a:solidFill>
+                  <a:schemeClr val="tx1"/>
+                </a:solidFill>
+                <a:latin typeface="+mn-lt"/>
+                <a:ea typeface="+mn-ea"/>
+                <a:cs typeface="+mn-cs"/>
+              </a:defRPr>
+            </a:lvl9pPr>
+          </a:lstStyle>
+          <a:p>
+            <a:pPr marL="457200" lvl="1" indent="0">
+              <a:buFont typeface="Arial" panose="020B0604020202020204" pitchFamily="34" charset="0"/>
+              <a:buNone/>
+            </a:pPr>
+            <a:r>
+              <a:rPr lang="en-US" b="0" i="0" dirty="0">
+                <a:effectLst/>
+                <a:latin typeface="-apple-system"/>
+              </a:rPr>
+              <a:t>What are the statistical attacks distributions by age and for sex in the top 3 countries?</a:t>
+            </a:r>
+            <a:endParaRPr lang="es-ES" dirty="0"/>
+          </a:p>
+        </p:txBody>
+      </p:sp>
     </p:spTree>
     <p:extLst>
       <p:ext uri="{BB962C8B-B14F-4D97-AF65-F5344CB8AC3E}">
@@ -14279,6 +14486,213 @@
           </a:xfrm>
         </p:spPr>
       </p:pic>
+      <p:sp>
+        <p:nvSpPr>
+          <p:cNvPr id="2" name="Marcador de contenido 5">
+            <a:extLst>
+              <a:ext uri="{FF2B5EF4-FFF2-40B4-BE49-F238E27FC236}">
+                <a16:creationId xmlns:a16="http://schemas.microsoft.com/office/drawing/2014/main" id="{B39D4D2B-F5F8-F604-F970-EDC4AF88F647}"/>
+              </a:ext>
+            </a:extLst>
+          </p:cNvPr>
+          <p:cNvSpPr txBox="1">
+            <a:spLocks/>
+          </p:cNvSpPr>
+          <p:nvPr/>
+        </p:nvSpPr>
+        <p:spPr>
+          <a:xfrm>
+            <a:off x="338140" y="2573053"/>
+            <a:ext cx="3868100" cy="2876771"/>
+          </a:xfrm>
+          <a:prstGeom prst="rect">
+            <a:avLst/>
+          </a:prstGeom>
+        </p:spPr>
+        <p:txBody>
+          <a:bodyPr rtlCol="0">
+            <a:normAutofit/>
+          </a:bodyPr>
+          <a:lstStyle>
+            <a:lvl1pPr marL="228600" indent="-228600" algn="l" defTabSz="914400" rtl="0" eaLnBrk="1" latinLnBrk="0" hangingPunct="1">
+              <a:lnSpc>
+                <a:spcPct val="90000"/>
+              </a:lnSpc>
+              <a:spcBef>
+                <a:spcPts val="1000"/>
+              </a:spcBef>
+              <a:buFont typeface="Arial" panose="020B0604020202020204" pitchFamily="34" charset="0"/>
+              <a:buChar char="•"/>
+              <a:defRPr sz="2800" kern="1200">
+                <a:solidFill>
+                  <a:schemeClr val="tx1"/>
+                </a:solidFill>
+                <a:latin typeface="+mn-lt"/>
+                <a:ea typeface="+mn-ea"/>
+                <a:cs typeface="+mn-cs"/>
+              </a:defRPr>
+            </a:lvl1pPr>
+            <a:lvl2pPr marL="685800" indent="-228600" algn="l" defTabSz="914400" rtl="0" eaLnBrk="1" latinLnBrk="0" hangingPunct="1">
+              <a:lnSpc>
+                <a:spcPct val="90000"/>
+              </a:lnSpc>
+              <a:spcBef>
+                <a:spcPts val="500"/>
+              </a:spcBef>
+              <a:buFont typeface="Arial" panose="020B0604020202020204" pitchFamily="34" charset="0"/>
+              <a:buChar char="•"/>
+              <a:defRPr sz="2400" kern="1200">
+                <a:solidFill>
+                  <a:schemeClr val="tx1"/>
+                </a:solidFill>
+                <a:latin typeface="+mn-lt"/>
+                <a:ea typeface="+mn-ea"/>
+                <a:cs typeface="+mn-cs"/>
+              </a:defRPr>
+            </a:lvl2pPr>
+            <a:lvl3pPr marL="1143000" indent="-228600" algn="l" defTabSz="914400" rtl="0" eaLnBrk="1" latinLnBrk="0" hangingPunct="1">
+              <a:lnSpc>
+                <a:spcPct val="90000"/>
+              </a:lnSpc>
+              <a:spcBef>
+                <a:spcPts val="500"/>
+              </a:spcBef>
+              <a:buFont typeface="Arial" panose="020B0604020202020204" pitchFamily="34" charset="0"/>
+              <a:buChar char="•"/>
+              <a:defRPr sz="2000" kern="1200">
+                <a:solidFill>
+                  <a:schemeClr val="tx1"/>
+                </a:solidFill>
+                <a:latin typeface="+mn-lt"/>
+                <a:ea typeface="+mn-ea"/>
+                <a:cs typeface="+mn-cs"/>
+              </a:defRPr>
+            </a:lvl3pPr>
+            <a:lvl4pPr marL="1600200" indent="-228600" algn="l" defTabSz="914400" rtl="0" eaLnBrk="1" latinLnBrk="0" hangingPunct="1">
+              <a:lnSpc>
+                <a:spcPct val="90000"/>
+              </a:lnSpc>
+              <a:spcBef>
+                <a:spcPts val="500"/>
+              </a:spcBef>
+              <a:buFont typeface="Arial" panose="020B0604020202020204" pitchFamily="34" charset="0"/>
+              <a:buChar char="•"/>
+              <a:defRPr sz="1800" kern="1200">
+                <a:solidFill>
+                  <a:schemeClr val="tx1"/>
+                </a:solidFill>
+                <a:latin typeface="+mn-lt"/>
+                <a:ea typeface="+mn-ea"/>
+                <a:cs typeface="+mn-cs"/>
+              </a:defRPr>
+            </a:lvl4pPr>
+            <a:lvl5pPr marL="2057400" indent="-228600" algn="l" defTabSz="914400" rtl="0" eaLnBrk="1" latinLnBrk="0" hangingPunct="1">
+              <a:lnSpc>
+                <a:spcPct val="90000"/>
+              </a:lnSpc>
+              <a:spcBef>
+                <a:spcPts val="500"/>
+              </a:spcBef>
+              <a:buFont typeface="Arial" panose="020B0604020202020204" pitchFamily="34" charset="0"/>
+              <a:buChar char="•"/>
+              <a:defRPr sz="1800" kern="1200">
+                <a:solidFill>
+                  <a:schemeClr val="tx1"/>
+                </a:solidFill>
+                <a:latin typeface="+mn-lt"/>
+                <a:ea typeface="+mn-ea"/>
+                <a:cs typeface="+mn-cs"/>
+              </a:defRPr>
+            </a:lvl5pPr>
+            <a:lvl6pPr marL="2514600" indent="-228600" algn="l" defTabSz="914400" rtl="0" eaLnBrk="1" latinLnBrk="0" hangingPunct="1">
+              <a:lnSpc>
+                <a:spcPct val="90000"/>
+              </a:lnSpc>
+              <a:spcBef>
+                <a:spcPts val="500"/>
+              </a:spcBef>
+              <a:buFont typeface="Arial" panose="020B0604020202020204" pitchFamily="34" charset="0"/>
+              <a:buChar char="•"/>
+              <a:defRPr sz="1800" kern="1200">
+                <a:solidFill>
+                  <a:schemeClr val="tx1"/>
+                </a:solidFill>
+                <a:latin typeface="+mn-lt"/>
+                <a:ea typeface="+mn-ea"/>
+                <a:cs typeface="+mn-cs"/>
+              </a:defRPr>
+            </a:lvl6pPr>
+            <a:lvl7pPr marL="2971800" indent="-228600" algn="l" defTabSz="914400" rtl="0" eaLnBrk="1" latinLnBrk="0" hangingPunct="1">
+              <a:lnSpc>
+                <a:spcPct val="90000"/>
+              </a:lnSpc>
+              <a:spcBef>
+                <a:spcPts val="500"/>
+              </a:spcBef>
+              <a:buFont typeface="Arial" panose="020B0604020202020204" pitchFamily="34" charset="0"/>
+              <a:buChar char="•"/>
+              <a:defRPr sz="1800" kern="1200">
+                <a:solidFill>
+                  <a:schemeClr val="tx1"/>
+                </a:solidFill>
+                <a:latin typeface="+mn-lt"/>
+                <a:ea typeface="+mn-ea"/>
+                <a:cs typeface="+mn-cs"/>
+              </a:defRPr>
+            </a:lvl7pPr>
+            <a:lvl8pPr marL="3429000" indent="-228600" algn="l" defTabSz="914400" rtl="0" eaLnBrk="1" latinLnBrk="0" hangingPunct="1">
+              <a:lnSpc>
+                <a:spcPct val="90000"/>
+              </a:lnSpc>
+              <a:spcBef>
+                <a:spcPts val="500"/>
+              </a:spcBef>
+              <a:buFont typeface="Arial" panose="020B0604020202020204" pitchFamily="34" charset="0"/>
+              <a:buChar char="•"/>
+              <a:defRPr sz="1800" kern="1200">
+                <a:solidFill>
+                  <a:schemeClr val="tx1"/>
+                </a:solidFill>
+                <a:latin typeface="+mn-lt"/>
+                <a:ea typeface="+mn-ea"/>
+                <a:cs typeface="+mn-cs"/>
+              </a:defRPr>
+            </a:lvl8pPr>
+            <a:lvl9pPr marL="3886200" indent="-228600" algn="l" defTabSz="914400" rtl="0" eaLnBrk="1" latinLnBrk="0" hangingPunct="1">
+              <a:lnSpc>
+                <a:spcPct val="90000"/>
+              </a:lnSpc>
+              <a:spcBef>
+                <a:spcPts val="500"/>
+              </a:spcBef>
+              <a:buFont typeface="Arial" panose="020B0604020202020204" pitchFamily="34" charset="0"/>
+              <a:buChar char="•"/>
+              <a:defRPr sz="1800" kern="1200">
+                <a:solidFill>
+                  <a:schemeClr val="tx1"/>
+                </a:solidFill>
+                <a:latin typeface="+mn-lt"/>
+                <a:ea typeface="+mn-ea"/>
+                <a:cs typeface="+mn-cs"/>
+              </a:defRPr>
+            </a:lvl9pPr>
+          </a:lstStyle>
+          <a:p>
+            <a:pPr marL="457200" lvl="1" indent="0">
+              <a:buFont typeface="Arial" panose="020B0604020202020204" pitchFamily="34" charset="0"/>
+              <a:buNone/>
+            </a:pPr>
+            <a:r>
+              <a:rPr lang="en-US" b="0" i="0" dirty="0">
+                <a:effectLst/>
+                <a:latin typeface="-apple-system"/>
+              </a:rPr>
+              <a:t>What are the statistical characteristics, of fatal and non-fatal injuries across different countries? Do the most attacked country mean most mortality?</a:t>
+            </a:r>
+            <a:endParaRPr lang="es-ES" dirty="0"/>
+          </a:p>
+        </p:txBody>
+      </p:sp>
     </p:spTree>
     <p:extLst>
       <p:ext uri="{BB962C8B-B14F-4D97-AF65-F5344CB8AC3E}">
@@ -17370,24 +17784,6 @@
 </file>
 
 <file path=customXml/item1.xml><?xml version="1.0" encoding="utf-8"?>
-<?mso-contentType ?>
-<FormTemplates xmlns="http://schemas.microsoft.com/sharepoint/v3/contenttype/forms">
-  <Display>DocumentLibraryForm</Display>
-  <Edit>DocumentLibraryForm</Edit>
-  <New>DocumentLibraryForm</New>
-</FormTemplates>
-</file>
-
-<file path=customXml/item2.xml><?xml version="1.0" encoding="utf-8"?>
-<p:properties xmlns:p="http://schemas.microsoft.com/office/2006/metadata/properties" xmlns:xsi="http://www.w3.org/2001/XMLSchema-instance" xmlns:pc="http://schemas.microsoft.com/office/infopath/2007/PartnerControls">
-  <documentManagement>
-    <Status xmlns="71af3243-3dd4-4a8d-8c0d-dd76da1f02a5">Not started</Status>
-    <MediaServiceKeyPoints xmlns="71af3243-3dd4-4a8d-8c0d-dd76da1f02a5" xsi:nil="true"/>
-  </documentManagement>
-</p:properties>
-</file>
-
-<file path=customXml/item3.xml><?xml version="1.0" encoding="utf-8"?>
 <ct:contentTypeSchema xmlns:ct="http://schemas.microsoft.com/office/2006/metadata/contentType" xmlns:ma="http://schemas.microsoft.com/office/2006/metadata/properties/metaAttributes" ct:_="" ma:_="" ma:contentTypeName="Document" ma:contentTypeID="0x01010079F111ED35F8CC479449609E8A0923A6" ma:contentTypeVersion="12" ma:contentTypeDescription="Create a new document." ma:contentTypeScope="" ma:versionID="426e97fa315356fffbdcd9876fe988c2">
   <xsd:schema xmlns:xsd="http://www.w3.org/2001/XMLSchema" xmlns:xs="http://www.w3.org/2001/XMLSchema" xmlns:p="http://schemas.microsoft.com/office/2006/metadata/properties" xmlns:ns2="71af3243-3dd4-4a8d-8c0d-dd76da1f02a5" xmlns:ns3="16c05727-aa75-4e4a-9b5f-8a80a1165891" targetNamespace="http://schemas.microsoft.com/office/2006/metadata/properties" ma:root="true" ma:fieldsID="14b8f0def80e6d70ce3def20c90759ae" ns2:_="" ns3:_="">
     <xsd:import namespace="71af3243-3dd4-4a8d-8c0d-dd76da1f02a5"/>
@@ -17608,25 +18004,25 @@
 </ct:contentTypeSchema>
 </file>
 
-<file path=customXml/itemProps1.xml><?xml version="1.0" encoding="utf-8"?>
-<ds:datastoreItem xmlns:ds="http://schemas.openxmlformats.org/officeDocument/2006/customXml" ds:itemID="{1A449C04-64B3-4403-94B7-8D2284C38D1B}">
-  <ds:schemaRefs>
-    <ds:schemaRef ds:uri="http://schemas.microsoft.com/sharepoint/v3/contenttype/forms"/>
-  </ds:schemaRefs>
-</ds:datastoreItem>
+<file path=customXml/item2.xml><?xml version="1.0" encoding="utf-8"?>
+<p:properties xmlns:p="http://schemas.microsoft.com/office/2006/metadata/properties" xmlns:xsi="http://www.w3.org/2001/XMLSchema-instance" xmlns:pc="http://schemas.microsoft.com/office/infopath/2007/PartnerControls">
+  <documentManagement>
+    <Status xmlns="71af3243-3dd4-4a8d-8c0d-dd76da1f02a5">Not started</Status>
+    <MediaServiceKeyPoints xmlns="71af3243-3dd4-4a8d-8c0d-dd76da1f02a5" xsi:nil="true"/>
+  </documentManagement>
+</p:properties>
 </file>
 
-<file path=customXml/itemProps2.xml><?xml version="1.0" encoding="utf-8"?>
-<ds:datastoreItem xmlns:ds="http://schemas.openxmlformats.org/officeDocument/2006/customXml" ds:itemID="{FBDEF148-1770-458F-8F5B-C3D0A278AA97}">
-  <ds:schemaRefs>
-    <ds:schemaRef ds:uri="http://schemas.microsoft.com/office/2006/metadata/properties"/>
-    <ds:schemaRef ds:uri="http://schemas.microsoft.com/office/infopath/2007/PartnerControls"/>
-    <ds:schemaRef ds:uri="71af3243-3dd4-4a8d-8c0d-dd76da1f02a5"/>
-  </ds:schemaRefs>
-</ds:datastoreItem>
+<file path=customXml/item3.xml><?xml version="1.0" encoding="utf-8"?>
+<?mso-contentType ?>
+<FormTemplates xmlns="http://schemas.microsoft.com/sharepoint/v3/contenttype/forms">
+  <Display>DocumentLibraryForm</Display>
+  <Edit>DocumentLibraryForm</Edit>
+  <New>DocumentLibraryForm</New>
+</FormTemplates>
 </file>
 
-<file path=customXml/itemProps3.xml><?xml version="1.0" encoding="utf-8"?>
+<file path=customXml/itemProps1.xml><?xml version="1.0" encoding="utf-8"?>
 <ds:datastoreItem xmlns:ds="http://schemas.openxmlformats.org/officeDocument/2006/customXml" ds:itemID="{8413533D-8C39-401E-8B75-B1AEEEC56B93}">
   <ds:schemaRefs>
     <ds:schemaRef ds:uri="http://schemas.microsoft.com/office/2006/metadata/contentType"/>
@@ -17643,4 +18039,22 @@
     <ds:schemaRef ds:uri="http://schemas.microsoft.com/internal/obd"/>
   </ds:schemaRefs>
 </ds:datastoreItem>
+</file>
+
+<file path=customXml/itemProps2.xml><?xml version="1.0" encoding="utf-8"?>
+<ds:datastoreItem xmlns:ds="http://schemas.openxmlformats.org/officeDocument/2006/customXml" ds:itemID="{FBDEF148-1770-458F-8F5B-C3D0A278AA97}">
+  <ds:schemaRefs>
+    <ds:schemaRef ds:uri="http://schemas.microsoft.com/office/2006/metadata/properties"/>
+    <ds:schemaRef ds:uri="http://schemas.microsoft.com/office/infopath/2007/PartnerControls"/>
+    <ds:schemaRef ds:uri="71af3243-3dd4-4a8d-8c0d-dd76da1f02a5"/>
+  </ds:schemaRefs>
+</ds:datastoreItem>
+</file>
+
+<file path=customXml/itemProps3.xml><?xml version="1.0" encoding="utf-8"?>
+<ds:datastoreItem xmlns:ds="http://schemas.openxmlformats.org/officeDocument/2006/customXml" ds:itemID="{1A449C04-64B3-4403-94B7-8D2284C38D1B}">
+  <ds:schemaRefs>
+    <ds:schemaRef ds:uri="http://schemas.microsoft.com/sharepoint/v3/contenttype/forms"/>
+  </ds:schemaRefs>
+</ds:datastoreItem>
 </file>